--- a/FlexFeedFinalPresentation.pptx
+++ b/FlexFeedFinalPresentation.pptx
@@ -6,6 +6,17 @@
   </p:sldMasterIdLst>
   <p:sldIdLst>
     <p:sldId id="256" r:id="rId2"/>
+    <p:sldId id="257" r:id="rId3"/>
+    <p:sldId id="258" r:id="rId4"/>
+    <p:sldId id="263" r:id="rId5"/>
+    <p:sldId id="264" r:id="rId6"/>
+    <p:sldId id="267" r:id="rId7"/>
+    <p:sldId id="265" r:id="rId8"/>
+    <p:sldId id="266" r:id="rId9"/>
+    <p:sldId id="260" r:id="rId10"/>
+    <p:sldId id="261" r:id="rId11"/>
+    <p:sldId id="262" r:id="rId12"/>
+    <p:sldId id="268" r:id="rId13"/>
   </p:sldIdLst>
   <p:sldSz cx="9144000" cy="6858000" type="screen4x3"/>
   <p:notesSz cx="6858000" cy="9144000"/>
@@ -7524,7 +7535,7 @@
           <a:lstStyle/>
           <a:p>
             <a:r>
-              <a:rPr lang="en-US" dirty="0" err="1" smtClean="0"/>
+              <a:rPr lang="en-US" dirty="0" smtClean="0"/>
               <a:t>FlexFeed</a:t>
             </a:r>
             <a:endParaRPr lang="en-US" dirty="0"/>
@@ -7550,13 +7561,8 @@
           <a:p>
             <a:r>
               <a:rPr lang="en-US" dirty="0" smtClean="0"/>
-              <a:t>Lauren </a:t>
-            </a:r>
-            <a:r>
-              <a:rPr lang="en-US" dirty="0" err="1" smtClean="0"/>
-              <a:t>Bornfeld</a:t>
-            </a:r>
-            <a:endParaRPr lang="en-US" dirty="0" smtClean="0"/>
+              <a:t>Lauren Bornfeld</a:t>
+            </a:r>
           </a:p>
           <a:p>
             <a:r>
@@ -7567,49 +7573,1001 @@
           <a:p>
             <a:r>
               <a:rPr lang="en-US" dirty="0" smtClean="0"/>
-              <a:t>Sasha </a:t>
-            </a:r>
-            <a:r>
-              <a:rPr lang="en-US" dirty="0" err="1" smtClean="0"/>
-              <a:t>Krutiy</a:t>
-            </a:r>
-            <a:endParaRPr lang="en-US" dirty="0" smtClean="0"/>
+              <a:t>Sasha Krutiy</a:t>
+            </a:r>
           </a:p>
           <a:p>
             <a:r>
               <a:rPr lang="en-US" dirty="0" smtClean="0"/>
-              <a:t>Catherine </a:t>
-            </a:r>
-            <a:r>
-              <a:rPr lang="en-US" dirty="0" err="1" smtClean="0"/>
-              <a:t>Mangeym</a:t>
-            </a:r>
-            <a:endParaRPr lang="en-US" dirty="0" smtClean="0"/>
+              <a:t>Catherine Mangeym</a:t>
+            </a:r>
           </a:p>
           <a:p>
             <a:r>
               <a:rPr lang="en-US" dirty="0" smtClean="0"/>
-              <a:t>Sebastian </a:t>
-            </a:r>
-            <a:r>
-              <a:rPr lang="en-US" dirty="0" err="1" smtClean="0"/>
-              <a:t>Lacki</a:t>
-            </a:r>
-            <a:endParaRPr lang="en-US" dirty="0" smtClean="0"/>
-          </a:p>
-          <a:p>
-            <a:r>
-              <a:rPr lang="en-US" smtClean="0"/>
+              <a:t>Sebastian Lacki</a:t>
+            </a:r>
+          </a:p>
+          <a:p>
+            <a:r>
+              <a:rPr lang="en-US" dirty="0" smtClean="0"/>
               <a:t>Raymond Leo</a:t>
             </a:r>
             <a:endParaRPr lang="en-US" dirty="0"/>
           </a:p>
         </p:txBody>
       </p:sp>
+      <p:pic>
+        <p:nvPicPr>
+          <p:cNvPr id="4" name="Picture 3" descr="Screen Shot 2017-12-03 at 4.15.57 PM.png"/>
+          <p:cNvPicPr>
+            <a:picLocks noChangeAspect="1"/>
+          </p:cNvPicPr>
+          <p:nvPr/>
+        </p:nvPicPr>
+        <p:blipFill>
+          <a:blip r:embed="rId2">
+            <a:extLst>
+              <a:ext uri="{28A0092B-C50C-407E-A947-70E740481C1C}">
+                <a14:useLocalDpi xmlns:a14="http://schemas.microsoft.com/office/drawing/2010/main" val="0"/>
+              </a:ext>
+            </a:extLst>
+          </a:blip>
+          <a:stretch>
+            <a:fillRect/>
+          </a:stretch>
+        </p:blipFill>
+        <p:spPr>
+          <a:xfrm>
+            <a:off x="1014988" y="1483590"/>
+            <a:ext cx="7006523" cy="1484493"/>
+          </a:xfrm>
+          <a:prstGeom prst="rect">
+            <a:avLst/>
+          </a:prstGeom>
+        </p:spPr>
+      </p:pic>
     </p:spTree>
     <p:extLst>
       <p:ext uri="{BB962C8B-B14F-4D97-AF65-F5344CB8AC3E}">
         <p14:creationId xmlns:p14="http://schemas.microsoft.com/office/powerpoint/2010/main" val="2479773050"/>
+      </p:ext>
+    </p:extLst>
+  </p:cSld>
+  <p:clrMapOvr>
+    <a:masterClrMapping/>
+  </p:clrMapOvr>
+</p:sld>
+</file>
+
+<file path=ppt/slides/slide10.xml><?xml version="1.0" encoding="utf-8"?>
+<p:sld xmlns:a="http://schemas.openxmlformats.org/drawingml/2006/main" xmlns:r="http://schemas.openxmlformats.org/officeDocument/2006/relationships" xmlns:p="http://schemas.openxmlformats.org/presentationml/2006/main">
+  <p:cSld>
+    <p:spTree>
+      <p:nvGrpSpPr>
+        <p:cNvPr id="1" name=""/>
+        <p:cNvGrpSpPr/>
+        <p:nvPr/>
+      </p:nvGrpSpPr>
+      <p:grpSpPr>
+        <a:xfrm>
+          <a:off x="0" y="0"/>
+          <a:ext cx="0" cy="0"/>
+          <a:chOff x="0" y="0"/>
+          <a:chExt cx="0" cy="0"/>
+        </a:xfrm>
+      </p:grpSpPr>
+      <p:sp>
+        <p:nvSpPr>
+          <p:cNvPr id="2" name="Title 1"/>
+          <p:cNvSpPr>
+            <a:spLocks noGrp="1"/>
+          </p:cNvSpPr>
+          <p:nvPr>
+            <p:ph type="title"/>
+          </p:nvPr>
+        </p:nvSpPr>
+        <p:spPr/>
+        <p:txBody>
+          <a:bodyPr/>
+          <a:lstStyle/>
+          <a:p>
+            <a:r>
+              <a:rPr lang="en-US" dirty="0" smtClean="0"/>
+              <a:t>What was hard?</a:t>
+            </a:r>
+            <a:endParaRPr lang="en-US" dirty="0"/>
+          </a:p>
+        </p:txBody>
+      </p:sp>
+      <p:sp>
+        <p:nvSpPr>
+          <p:cNvPr id="3" name="Content Placeholder 2"/>
+          <p:cNvSpPr>
+            <a:spLocks noGrp="1"/>
+          </p:cNvSpPr>
+          <p:nvPr>
+            <p:ph idx="1"/>
+          </p:nvPr>
+        </p:nvSpPr>
+        <p:spPr/>
+        <p:txBody>
+          <a:bodyPr/>
+          <a:lstStyle/>
+          <a:p>
+            <a:r>
+              <a:rPr lang="en-US" dirty="0" smtClean="0"/>
+              <a:t>Team communication</a:t>
+            </a:r>
+          </a:p>
+          <a:p>
+            <a:r>
+              <a:rPr lang="en-US" dirty="0" err="1" smtClean="0"/>
+              <a:t>GitHub</a:t>
+            </a:r>
+            <a:endParaRPr lang="en-US" dirty="0"/>
+          </a:p>
+        </p:txBody>
+      </p:sp>
+    </p:spTree>
+    <p:extLst>
+      <p:ext uri="{BB962C8B-B14F-4D97-AF65-F5344CB8AC3E}">
+        <p14:creationId xmlns:p14="http://schemas.microsoft.com/office/powerpoint/2010/main" val="2355469417"/>
+      </p:ext>
+    </p:extLst>
+  </p:cSld>
+  <p:clrMapOvr>
+    <a:masterClrMapping/>
+  </p:clrMapOvr>
+</p:sld>
+</file>
+
+<file path=ppt/slides/slide11.xml><?xml version="1.0" encoding="utf-8"?>
+<p:sld xmlns:a="http://schemas.openxmlformats.org/drawingml/2006/main" xmlns:r="http://schemas.openxmlformats.org/officeDocument/2006/relationships" xmlns:p="http://schemas.openxmlformats.org/presentationml/2006/main">
+  <p:cSld>
+    <p:spTree>
+      <p:nvGrpSpPr>
+        <p:cNvPr id="1" name=""/>
+        <p:cNvGrpSpPr/>
+        <p:nvPr/>
+      </p:nvGrpSpPr>
+      <p:grpSpPr>
+        <a:xfrm>
+          <a:off x="0" y="0"/>
+          <a:ext cx="0" cy="0"/>
+          <a:chOff x="0" y="0"/>
+          <a:chExt cx="0" cy="0"/>
+        </a:xfrm>
+      </p:grpSpPr>
+      <p:sp>
+        <p:nvSpPr>
+          <p:cNvPr id="2" name="Title 1"/>
+          <p:cNvSpPr>
+            <a:spLocks noGrp="1"/>
+          </p:cNvSpPr>
+          <p:nvPr>
+            <p:ph type="title"/>
+          </p:nvPr>
+        </p:nvSpPr>
+        <p:spPr/>
+        <p:txBody>
+          <a:bodyPr/>
+          <a:lstStyle/>
+          <a:p>
+            <a:r>
+              <a:rPr lang="en-US" dirty="0" smtClean="0"/>
+              <a:t>Future Improvements</a:t>
+            </a:r>
+            <a:endParaRPr lang="en-US" dirty="0"/>
+          </a:p>
+        </p:txBody>
+      </p:sp>
+      <p:sp>
+        <p:nvSpPr>
+          <p:cNvPr id="3" name="Content Placeholder 2"/>
+          <p:cNvSpPr>
+            <a:spLocks noGrp="1"/>
+          </p:cNvSpPr>
+          <p:nvPr>
+            <p:ph idx="1"/>
+          </p:nvPr>
+        </p:nvSpPr>
+        <p:spPr/>
+        <p:txBody>
+          <a:bodyPr/>
+          <a:lstStyle/>
+          <a:p>
+            <a:r>
+              <a:rPr lang="en-US" dirty="0" smtClean="0"/>
+              <a:t>Dynamically updated social media feeds for each member</a:t>
+            </a:r>
+          </a:p>
+          <a:p>
+            <a:r>
+              <a:rPr lang="en-US" dirty="0" smtClean="0"/>
+              <a:t>Ability to view multiple/all groups at once</a:t>
+            </a:r>
+          </a:p>
+          <a:p>
+            <a:pPr lvl="1"/>
+            <a:r>
+              <a:rPr lang="en-US" dirty="0" smtClean="0"/>
+              <a:t>Ability to follow organizations without putting them in a group</a:t>
+            </a:r>
+          </a:p>
+          <a:p>
+            <a:r>
+              <a:rPr lang="en-US" dirty="0" smtClean="0"/>
+              <a:t>Friends</a:t>
+            </a:r>
+          </a:p>
+          <a:p>
+            <a:r>
+              <a:rPr lang="en-US" dirty="0" smtClean="0"/>
+              <a:t>More user friendly UI</a:t>
+            </a:r>
+            <a:endParaRPr lang="en-US" dirty="0"/>
+          </a:p>
+        </p:txBody>
+      </p:sp>
+    </p:spTree>
+    <p:extLst>
+      <p:ext uri="{BB962C8B-B14F-4D97-AF65-F5344CB8AC3E}">
+        <p14:creationId xmlns:p14="http://schemas.microsoft.com/office/powerpoint/2010/main" val="64158099"/>
+      </p:ext>
+    </p:extLst>
+  </p:cSld>
+  <p:clrMapOvr>
+    <a:masterClrMapping/>
+  </p:clrMapOvr>
+</p:sld>
+</file>
+
+<file path=ppt/slides/slide12.xml><?xml version="1.0" encoding="utf-8"?>
+<p:sld xmlns:a="http://schemas.openxmlformats.org/drawingml/2006/main" xmlns:r="http://schemas.openxmlformats.org/officeDocument/2006/relationships" xmlns:p="http://schemas.openxmlformats.org/presentationml/2006/main">
+  <p:cSld>
+    <p:spTree>
+      <p:nvGrpSpPr>
+        <p:cNvPr id="1" name=""/>
+        <p:cNvGrpSpPr/>
+        <p:nvPr/>
+      </p:nvGrpSpPr>
+      <p:grpSpPr>
+        <a:xfrm>
+          <a:off x="0" y="0"/>
+          <a:ext cx="0" cy="0"/>
+          <a:chOff x="0" y="0"/>
+          <a:chExt cx="0" cy="0"/>
+        </a:xfrm>
+      </p:grpSpPr>
+      <p:sp>
+        <p:nvSpPr>
+          <p:cNvPr id="2" name="Title 1"/>
+          <p:cNvSpPr>
+            <a:spLocks noGrp="1"/>
+          </p:cNvSpPr>
+          <p:nvPr>
+            <p:ph type="title"/>
+          </p:nvPr>
+        </p:nvSpPr>
+        <p:spPr/>
+        <p:txBody>
+          <a:bodyPr/>
+          <a:lstStyle/>
+          <a:p>
+            <a:r>
+              <a:rPr lang="en-US" dirty="0" smtClean="0"/>
+              <a:t>Live demo</a:t>
+            </a:r>
+            <a:r>
+              <a:rPr lang="mr-IN" dirty="0" smtClean="0"/>
+              <a:t>…</a:t>
+            </a:r>
+            <a:endParaRPr lang="en-US" dirty="0"/>
+          </a:p>
+        </p:txBody>
+      </p:sp>
+    </p:spTree>
+    <p:extLst>
+      <p:ext uri="{BB962C8B-B14F-4D97-AF65-F5344CB8AC3E}">
+        <p14:creationId xmlns:p14="http://schemas.microsoft.com/office/powerpoint/2010/main" val="3702087632"/>
+      </p:ext>
+    </p:extLst>
+  </p:cSld>
+  <p:clrMapOvr>
+    <a:masterClrMapping/>
+  </p:clrMapOvr>
+</p:sld>
+</file>
+
+<file path=ppt/slides/slide2.xml><?xml version="1.0" encoding="utf-8"?>
+<p:sld xmlns:a="http://schemas.openxmlformats.org/drawingml/2006/main" xmlns:r="http://schemas.openxmlformats.org/officeDocument/2006/relationships" xmlns:p="http://schemas.openxmlformats.org/presentationml/2006/main">
+  <p:cSld>
+    <p:spTree>
+      <p:nvGrpSpPr>
+        <p:cNvPr id="1" name=""/>
+        <p:cNvGrpSpPr/>
+        <p:nvPr/>
+      </p:nvGrpSpPr>
+      <p:grpSpPr>
+        <a:xfrm>
+          <a:off x="0" y="0"/>
+          <a:ext cx="0" cy="0"/>
+          <a:chOff x="0" y="0"/>
+          <a:chExt cx="0" cy="0"/>
+        </a:xfrm>
+      </p:grpSpPr>
+      <p:sp>
+        <p:nvSpPr>
+          <p:cNvPr id="2" name="Title 1"/>
+          <p:cNvSpPr>
+            <a:spLocks noGrp="1"/>
+          </p:cNvSpPr>
+          <p:nvPr>
+            <p:ph type="title"/>
+          </p:nvPr>
+        </p:nvSpPr>
+        <p:spPr/>
+        <p:txBody>
+          <a:bodyPr/>
+          <a:lstStyle/>
+          <a:p>
+            <a:r>
+              <a:rPr lang="en-US" dirty="0" smtClean="0"/>
+              <a:t>Overview</a:t>
+            </a:r>
+            <a:endParaRPr lang="en-US" dirty="0"/>
+          </a:p>
+        </p:txBody>
+      </p:sp>
+      <p:sp>
+        <p:nvSpPr>
+          <p:cNvPr id="3" name="Content Placeholder 2"/>
+          <p:cNvSpPr>
+            <a:spLocks noGrp="1"/>
+          </p:cNvSpPr>
+          <p:nvPr>
+            <p:ph idx="1"/>
+          </p:nvPr>
+        </p:nvSpPr>
+        <p:spPr/>
+        <p:txBody>
+          <a:bodyPr/>
+          <a:lstStyle/>
+          <a:p>
+            <a:r>
+              <a:rPr lang="en-US" dirty="0" smtClean="0"/>
+              <a:t>FlexFeed allows users to centralize the social media feeds of organizations they are interested in.</a:t>
+            </a:r>
+            <a:endParaRPr lang="en-US" dirty="0"/>
+          </a:p>
+        </p:txBody>
+      </p:sp>
+    </p:spTree>
+    <p:extLst>
+      <p:ext uri="{BB962C8B-B14F-4D97-AF65-F5344CB8AC3E}">
+        <p14:creationId xmlns:p14="http://schemas.microsoft.com/office/powerpoint/2010/main" val="2261496433"/>
+      </p:ext>
+    </p:extLst>
+  </p:cSld>
+  <p:clrMapOvr>
+    <a:masterClrMapping/>
+  </p:clrMapOvr>
+</p:sld>
+</file>
+
+<file path=ppt/slides/slide3.xml><?xml version="1.0" encoding="utf-8"?>
+<p:sld xmlns:a="http://schemas.openxmlformats.org/drawingml/2006/main" xmlns:r="http://schemas.openxmlformats.org/officeDocument/2006/relationships" xmlns:p="http://schemas.openxmlformats.org/presentationml/2006/main">
+  <p:cSld>
+    <p:spTree>
+      <p:nvGrpSpPr>
+        <p:cNvPr id="1" name=""/>
+        <p:cNvGrpSpPr/>
+        <p:nvPr/>
+      </p:nvGrpSpPr>
+      <p:grpSpPr>
+        <a:xfrm>
+          <a:off x="0" y="0"/>
+          <a:ext cx="0" cy="0"/>
+          <a:chOff x="0" y="0"/>
+          <a:chExt cx="0" cy="0"/>
+        </a:xfrm>
+      </p:grpSpPr>
+      <p:sp>
+        <p:nvSpPr>
+          <p:cNvPr id="2" name="Title 1"/>
+          <p:cNvSpPr>
+            <a:spLocks noGrp="1"/>
+          </p:cNvSpPr>
+          <p:nvPr>
+            <p:ph type="title"/>
+          </p:nvPr>
+        </p:nvSpPr>
+        <p:spPr/>
+        <p:txBody>
+          <a:bodyPr/>
+          <a:lstStyle/>
+          <a:p>
+            <a:r>
+              <a:rPr lang="en-US" dirty="0" smtClean="0"/>
+              <a:t>Targeted Users</a:t>
+            </a:r>
+            <a:endParaRPr lang="en-US" dirty="0"/>
+          </a:p>
+        </p:txBody>
+      </p:sp>
+      <p:sp>
+        <p:nvSpPr>
+          <p:cNvPr id="3" name="Content Placeholder 2"/>
+          <p:cNvSpPr>
+            <a:spLocks noGrp="1"/>
+          </p:cNvSpPr>
+          <p:nvPr>
+            <p:ph idx="1"/>
+          </p:nvPr>
+        </p:nvSpPr>
+        <p:spPr/>
+        <p:txBody>
+          <a:bodyPr/>
+          <a:lstStyle/>
+          <a:p>
+            <a:r>
+              <a:rPr lang="en-US" dirty="0" smtClean="0"/>
+              <a:t>Investors</a:t>
+            </a:r>
+          </a:p>
+          <a:p>
+            <a:r>
+              <a:rPr lang="en-US" dirty="0" smtClean="0"/>
+              <a:t>People who like things they enjoy</a:t>
+            </a:r>
+            <a:endParaRPr lang="en-US" dirty="0"/>
+          </a:p>
+        </p:txBody>
+      </p:sp>
+    </p:spTree>
+    <p:extLst>
+      <p:ext uri="{BB962C8B-B14F-4D97-AF65-F5344CB8AC3E}">
+        <p14:creationId xmlns:p14="http://schemas.microsoft.com/office/powerpoint/2010/main" val="3307399197"/>
+      </p:ext>
+    </p:extLst>
+  </p:cSld>
+  <p:clrMapOvr>
+    <a:masterClrMapping/>
+  </p:clrMapOvr>
+</p:sld>
+</file>
+
+<file path=ppt/slides/slide4.xml><?xml version="1.0" encoding="utf-8"?>
+<p:sld xmlns:a="http://schemas.openxmlformats.org/drawingml/2006/main" xmlns:r="http://schemas.openxmlformats.org/officeDocument/2006/relationships" xmlns:p="http://schemas.openxmlformats.org/presentationml/2006/main">
+  <p:cSld>
+    <p:spTree>
+      <p:nvGrpSpPr>
+        <p:cNvPr id="1" name=""/>
+        <p:cNvGrpSpPr/>
+        <p:nvPr/>
+      </p:nvGrpSpPr>
+      <p:grpSpPr>
+        <a:xfrm>
+          <a:off x="0" y="0"/>
+          <a:ext cx="0" cy="0"/>
+          <a:chOff x="0" y="0"/>
+          <a:chExt cx="0" cy="0"/>
+        </a:xfrm>
+      </p:grpSpPr>
+      <p:sp>
+        <p:nvSpPr>
+          <p:cNvPr id="2" name="Title 1"/>
+          <p:cNvSpPr>
+            <a:spLocks noGrp="1"/>
+          </p:cNvSpPr>
+          <p:nvPr>
+            <p:ph type="title"/>
+          </p:nvPr>
+        </p:nvSpPr>
+        <p:spPr/>
+        <p:txBody>
+          <a:bodyPr/>
+          <a:lstStyle/>
+          <a:p>
+            <a:r>
+              <a:rPr lang="en-US" dirty="0" smtClean="0"/>
+              <a:t>Home Page</a:t>
+            </a:r>
+            <a:endParaRPr lang="en-US" dirty="0"/>
+          </a:p>
+        </p:txBody>
+      </p:sp>
+      <p:pic>
+        <p:nvPicPr>
+          <p:cNvPr id="7" name="Picture 6" descr="Screen Shot 2017-12-03 at 4.32.30 PM.png"/>
+          <p:cNvPicPr>
+            <a:picLocks noChangeAspect="1"/>
+          </p:cNvPicPr>
+          <p:nvPr/>
+        </p:nvPicPr>
+        <p:blipFill>
+          <a:blip r:embed="rId2" cstate="print">
+            <a:extLst>
+              <a:ext uri="{28A0092B-C50C-407E-A947-70E740481C1C}">
+                <a14:useLocalDpi xmlns:a14="http://schemas.microsoft.com/office/drawing/2010/main" val="0"/>
+              </a:ext>
+            </a:extLst>
+          </a:blip>
+          <a:stretch>
+            <a:fillRect/>
+          </a:stretch>
+        </p:blipFill>
+        <p:spPr>
+          <a:xfrm>
+            <a:off x="255564" y="1584007"/>
+            <a:ext cx="8646397" cy="5027355"/>
+          </a:xfrm>
+          <a:prstGeom prst="rect">
+            <a:avLst/>
+          </a:prstGeom>
+        </p:spPr>
+      </p:pic>
+    </p:spTree>
+    <p:extLst>
+      <p:ext uri="{BB962C8B-B14F-4D97-AF65-F5344CB8AC3E}">
+        <p14:creationId xmlns:p14="http://schemas.microsoft.com/office/powerpoint/2010/main" val="3759632922"/>
+      </p:ext>
+    </p:extLst>
+  </p:cSld>
+  <p:clrMapOvr>
+    <a:masterClrMapping/>
+  </p:clrMapOvr>
+</p:sld>
+</file>
+
+<file path=ppt/slides/slide5.xml><?xml version="1.0" encoding="utf-8"?>
+<p:sld xmlns:a="http://schemas.openxmlformats.org/drawingml/2006/main" xmlns:r="http://schemas.openxmlformats.org/officeDocument/2006/relationships" xmlns:p="http://schemas.openxmlformats.org/presentationml/2006/main">
+  <p:cSld>
+    <p:spTree>
+      <p:nvGrpSpPr>
+        <p:cNvPr id="1" name=""/>
+        <p:cNvGrpSpPr/>
+        <p:nvPr/>
+      </p:nvGrpSpPr>
+      <p:grpSpPr>
+        <a:xfrm>
+          <a:off x="0" y="0"/>
+          <a:ext cx="0" cy="0"/>
+          <a:chOff x="0" y="0"/>
+          <a:chExt cx="0" cy="0"/>
+        </a:xfrm>
+      </p:grpSpPr>
+      <p:sp>
+        <p:nvSpPr>
+          <p:cNvPr id="2" name="Title 1"/>
+          <p:cNvSpPr>
+            <a:spLocks noGrp="1"/>
+          </p:cNvSpPr>
+          <p:nvPr>
+            <p:ph type="title"/>
+          </p:nvPr>
+        </p:nvSpPr>
+        <p:spPr/>
+        <p:txBody>
+          <a:bodyPr/>
+          <a:lstStyle/>
+          <a:p>
+            <a:r>
+              <a:rPr lang="en-US" dirty="0" smtClean="0"/>
+              <a:t>Stock Bar</a:t>
+            </a:r>
+            <a:endParaRPr lang="en-US" dirty="0"/>
+          </a:p>
+        </p:txBody>
+      </p:sp>
+      <p:sp>
+        <p:nvSpPr>
+          <p:cNvPr id="3" name="Content Placeholder 2"/>
+          <p:cNvSpPr>
+            <a:spLocks noGrp="1"/>
+          </p:cNvSpPr>
+          <p:nvPr>
+            <p:ph idx="1"/>
+          </p:nvPr>
+        </p:nvSpPr>
+        <p:spPr>
+          <a:xfrm>
+            <a:off x="900112" y="2154630"/>
+            <a:ext cx="7345363" cy="3931920"/>
+          </a:xfrm>
+        </p:spPr>
+        <p:txBody>
+          <a:bodyPr/>
+          <a:lstStyle/>
+          <a:p>
+            <a:r>
+              <a:rPr lang="en-US" dirty="0" smtClean="0"/>
+              <a:t>Dynamically updated!</a:t>
+            </a:r>
+            <a:endParaRPr lang="en-US" dirty="0"/>
+          </a:p>
+        </p:txBody>
+      </p:sp>
+      <p:pic>
+        <p:nvPicPr>
+          <p:cNvPr id="4" name="Picture 3" descr="Screen Shot 2017-12-03 at 4.25.13 PM.png"/>
+          <p:cNvPicPr>
+            <a:picLocks noChangeAspect="1"/>
+          </p:cNvPicPr>
+          <p:nvPr/>
+        </p:nvPicPr>
+        <p:blipFill>
+          <a:blip r:embed="rId2">
+            <a:extLst>
+              <a:ext uri="{28A0092B-C50C-407E-A947-70E740481C1C}">
+                <a14:useLocalDpi xmlns:a14="http://schemas.microsoft.com/office/drawing/2010/main" val="0"/>
+              </a:ext>
+            </a:extLst>
+          </a:blip>
+          <a:stretch>
+            <a:fillRect/>
+          </a:stretch>
+        </p:blipFill>
+        <p:spPr>
+          <a:xfrm>
+            <a:off x="213747" y="3015832"/>
+            <a:ext cx="8675642" cy="714217"/>
+          </a:xfrm>
+          <a:prstGeom prst="rect">
+            <a:avLst/>
+          </a:prstGeom>
+        </p:spPr>
+      </p:pic>
+      <p:pic>
+        <p:nvPicPr>
+          <p:cNvPr id="5" name="Picture 4" descr="Screen Shot 2017-12-03 at 4.33.36 PM.png"/>
+          <p:cNvPicPr>
+            <a:picLocks noChangeAspect="1"/>
+          </p:cNvPicPr>
+          <p:nvPr/>
+        </p:nvPicPr>
+        <p:blipFill>
+          <a:blip r:embed="rId3">
+            <a:extLst>
+              <a:ext uri="{28A0092B-C50C-407E-A947-70E740481C1C}">
+                <a14:useLocalDpi xmlns:a14="http://schemas.microsoft.com/office/drawing/2010/main" val="0"/>
+              </a:ext>
+            </a:extLst>
+          </a:blip>
+          <a:stretch>
+            <a:fillRect/>
+          </a:stretch>
+        </p:blipFill>
+        <p:spPr>
+          <a:xfrm>
+            <a:off x="2589925" y="4168837"/>
+            <a:ext cx="3822700" cy="1219200"/>
+          </a:xfrm>
+          <a:prstGeom prst="rect">
+            <a:avLst/>
+          </a:prstGeom>
+        </p:spPr>
+      </p:pic>
+    </p:spTree>
+    <p:extLst>
+      <p:ext uri="{BB962C8B-B14F-4D97-AF65-F5344CB8AC3E}">
+        <p14:creationId xmlns:p14="http://schemas.microsoft.com/office/powerpoint/2010/main" val="3289090412"/>
+      </p:ext>
+    </p:extLst>
+  </p:cSld>
+  <p:clrMapOvr>
+    <a:masterClrMapping/>
+  </p:clrMapOvr>
+</p:sld>
+</file>
+
+<file path=ppt/slides/slide6.xml><?xml version="1.0" encoding="utf-8"?>
+<p:sld xmlns:a="http://schemas.openxmlformats.org/drawingml/2006/main" xmlns:r="http://schemas.openxmlformats.org/officeDocument/2006/relationships" xmlns:p="http://schemas.openxmlformats.org/presentationml/2006/main">
+  <p:cSld>
+    <p:spTree>
+      <p:nvGrpSpPr>
+        <p:cNvPr id="1" name=""/>
+        <p:cNvGrpSpPr/>
+        <p:nvPr/>
+      </p:nvGrpSpPr>
+      <p:grpSpPr>
+        <a:xfrm>
+          <a:off x="0" y="0"/>
+          <a:ext cx="0" cy="0"/>
+          <a:chOff x="0" y="0"/>
+          <a:chExt cx="0" cy="0"/>
+        </a:xfrm>
+      </p:grpSpPr>
+      <p:sp>
+        <p:nvSpPr>
+          <p:cNvPr id="2" name="Title 1"/>
+          <p:cNvSpPr>
+            <a:spLocks noGrp="1"/>
+          </p:cNvSpPr>
+          <p:nvPr>
+            <p:ph type="title"/>
+          </p:nvPr>
+        </p:nvSpPr>
+        <p:spPr/>
+        <p:txBody>
+          <a:bodyPr/>
+          <a:lstStyle/>
+          <a:p>
+            <a:r>
+              <a:rPr lang="en-US" dirty="0" smtClean="0"/>
+              <a:t>Discover New Groups</a:t>
+            </a:r>
+            <a:endParaRPr lang="en-US" dirty="0"/>
+          </a:p>
+        </p:txBody>
+      </p:sp>
+      <p:sp>
+        <p:nvSpPr>
+          <p:cNvPr id="3" name="Content Placeholder 2"/>
+          <p:cNvSpPr>
+            <a:spLocks noGrp="1"/>
+          </p:cNvSpPr>
+          <p:nvPr>
+            <p:ph idx="1"/>
+          </p:nvPr>
+        </p:nvSpPr>
+        <p:spPr/>
+        <p:txBody>
+          <a:bodyPr/>
+          <a:lstStyle/>
+          <a:p>
+            <a:r>
+              <a:rPr lang="en-US" dirty="0" smtClean="0"/>
+              <a:t>Once we add more to the database we will put a screenshot of discovery here.</a:t>
+            </a:r>
+            <a:endParaRPr lang="en-US" dirty="0"/>
+          </a:p>
+        </p:txBody>
+      </p:sp>
+    </p:spTree>
+    <p:extLst>
+      <p:ext uri="{BB962C8B-B14F-4D97-AF65-F5344CB8AC3E}">
+        <p14:creationId xmlns:p14="http://schemas.microsoft.com/office/powerpoint/2010/main" val="1096984074"/>
+      </p:ext>
+    </p:extLst>
+  </p:cSld>
+  <p:clrMapOvr>
+    <a:masterClrMapping/>
+  </p:clrMapOvr>
+</p:sld>
+</file>
+
+<file path=ppt/slides/slide7.xml><?xml version="1.0" encoding="utf-8"?>
+<p:sld xmlns:a="http://schemas.openxmlformats.org/drawingml/2006/main" xmlns:r="http://schemas.openxmlformats.org/officeDocument/2006/relationships" xmlns:p="http://schemas.openxmlformats.org/presentationml/2006/main">
+  <p:cSld>
+    <p:spTree>
+      <p:nvGrpSpPr>
+        <p:cNvPr id="1" name=""/>
+        <p:cNvGrpSpPr/>
+        <p:nvPr/>
+      </p:nvGrpSpPr>
+      <p:grpSpPr>
+        <a:xfrm>
+          <a:off x="0" y="0"/>
+          <a:ext cx="0" cy="0"/>
+          <a:chOff x="0" y="0"/>
+          <a:chExt cx="0" cy="0"/>
+        </a:xfrm>
+      </p:grpSpPr>
+      <p:sp>
+        <p:nvSpPr>
+          <p:cNvPr id="2" name="Title 1"/>
+          <p:cNvSpPr>
+            <a:spLocks noGrp="1"/>
+          </p:cNvSpPr>
+          <p:nvPr>
+            <p:ph type="title"/>
+          </p:nvPr>
+        </p:nvSpPr>
+        <p:spPr/>
+        <p:txBody>
+          <a:bodyPr>
+            <a:normAutofit/>
+          </a:bodyPr>
+          <a:lstStyle/>
+          <a:p>
+            <a:r>
+              <a:rPr lang="en-US" sz="4000" dirty="0" smtClean="0"/>
+              <a:t>View and Manage your Groups</a:t>
+            </a:r>
+            <a:endParaRPr lang="en-US" sz="4000" dirty="0"/>
+          </a:p>
+        </p:txBody>
+      </p:sp>
+      <p:pic>
+        <p:nvPicPr>
+          <p:cNvPr id="4" name="Picture 3" descr="Screen Shot 2017-12-03 at 4.27.06 PM.png"/>
+          <p:cNvPicPr>
+            <a:picLocks noChangeAspect="1"/>
+          </p:cNvPicPr>
+          <p:nvPr/>
+        </p:nvPicPr>
+        <p:blipFill>
+          <a:blip r:embed="rId2" cstate="print">
+            <a:extLst>
+              <a:ext uri="{28A0092B-C50C-407E-A947-70E740481C1C}">
+                <a14:useLocalDpi xmlns:a14="http://schemas.microsoft.com/office/drawing/2010/main" val="0"/>
+              </a:ext>
+            </a:extLst>
+          </a:blip>
+          <a:stretch>
+            <a:fillRect/>
+          </a:stretch>
+        </p:blipFill>
+        <p:spPr>
+          <a:xfrm>
+            <a:off x="286764" y="1584008"/>
+            <a:ext cx="8577478" cy="4967480"/>
+          </a:xfrm>
+          <a:prstGeom prst="rect">
+            <a:avLst/>
+          </a:prstGeom>
+        </p:spPr>
+      </p:pic>
+    </p:spTree>
+    <p:extLst>
+      <p:ext uri="{BB962C8B-B14F-4D97-AF65-F5344CB8AC3E}">
+        <p14:creationId xmlns:p14="http://schemas.microsoft.com/office/powerpoint/2010/main" val="169096430"/>
+      </p:ext>
+    </p:extLst>
+  </p:cSld>
+  <p:clrMapOvr>
+    <a:masterClrMapping/>
+  </p:clrMapOvr>
+</p:sld>
+</file>
+
+<file path=ppt/slides/slide8.xml><?xml version="1.0" encoding="utf-8"?>
+<p:sld xmlns:a="http://schemas.openxmlformats.org/drawingml/2006/main" xmlns:r="http://schemas.openxmlformats.org/officeDocument/2006/relationships" xmlns:p="http://schemas.openxmlformats.org/presentationml/2006/main">
+  <p:cSld>
+    <p:spTree>
+      <p:nvGrpSpPr>
+        <p:cNvPr id="1" name=""/>
+        <p:cNvGrpSpPr/>
+        <p:nvPr/>
+      </p:nvGrpSpPr>
+      <p:grpSpPr>
+        <a:xfrm>
+          <a:off x="0" y="0"/>
+          <a:ext cx="0" cy="0"/>
+          <a:chOff x="0" y="0"/>
+          <a:chExt cx="0" cy="0"/>
+        </a:xfrm>
+      </p:grpSpPr>
+      <p:sp>
+        <p:nvSpPr>
+          <p:cNvPr id="2" name="Title 1"/>
+          <p:cNvSpPr>
+            <a:spLocks noGrp="1"/>
+          </p:cNvSpPr>
+          <p:nvPr>
+            <p:ph type="title"/>
+          </p:nvPr>
+        </p:nvSpPr>
+        <p:spPr/>
+        <p:txBody>
+          <a:bodyPr/>
+          <a:lstStyle/>
+          <a:p>
+            <a:r>
+              <a:rPr lang="en-US" dirty="0" smtClean="0"/>
+              <a:t>Edit groups</a:t>
+            </a:r>
+            <a:endParaRPr lang="en-US" dirty="0"/>
+          </a:p>
+        </p:txBody>
+      </p:sp>
+      <p:sp>
+        <p:nvSpPr>
+          <p:cNvPr id="3" name="Content Placeholder 2"/>
+          <p:cNvSpPr>
+            <a:spLocks noGrp="1"/>
+          </p:cNvSpPr>
+          <p:nvPr>
+            <p:ph idx="1"/>
+          </p:nvPr>
+        </p:nvSpPr>
+        <p:spPr/>
+        <p:txBody>
+          <a:bodyPr/>
+          <a:lstStyle/>
+          <a:p>
+            <a:r>
+              <a:rPr lang="en-US" dirty="0" smtClean="0"/>
+              <a:t>Once the edit groups page is fixed we will put a screenshot of that page here.</a:t>
+            </a:r>
+            <a:endParaRPr lang="en-US" dirty="0"/>
+          </a:p>
+        </p:txBody>
+      </p:sp>
+    </p:spTree>
+    <p:extLst>
+      <p:ext uri="{BB962C8B-B14F-4D97-AF65-F5344CB8AC3E}">
+        <p14:creationId xmlns:p14="http://schemas.microsoft.com/office/powerpoint/2010/main" val="1736824645"/>
+      </p:ext>
+    </p:extLst>
+  </p:cSld>
+  <p:clrMapOvr>
+    <a:masterClrMapping/>
+  </p:clrMapOvr>
+</p:sld>
+</file>
+
+<file path=ppt/slides/slide9.xml><?xml version="1.0" encoding="utf-8"?>
+<p:sld xmlns:a="http://schemas.openxmlformats.org/drawingml/2006/main" xmlns:r="http://schemas.openxmlformats.org/officeDocument/2006/relationships" xmlns:p="http://schemas.openxmlformats.org/presentationml/2006/main">
+  <p:cSld>
+    <p:spTree>
+      <p:nvGrpSpPr>
+        <p:cNvPr id="1" name=""/>
+        <p:cNvGrpSpPr/>
+        <p:nvPr/>
+      </p:nvGrpSpPr>
+      <p:grpSpPr>
+        <a:xfrm>
+          <a:off x="0" y="0"/>
+          <a:ext cx="0" cy="0"/>
+          <a:chOff x="0" y="0"/>
+          <a:chExt cx="0" cy="0"/>
+        </a:xfrm>
+      </p:grpSpPr>
+      <p:sp>
+        <p:nvSpPr>
+          <p:cNvPr id="2" name="Title 1"/>
+          <p:cNvSpPr>
+            <a:spLocks noGrp="1"/>
+          </p:cNvSpPr>
+          <p:nvPr>
+            <p:ph type="title"/>
+          </p:nvPr>
+        </p:nvSpPr>
+        <p:spPr/>
+        <p:txBody>
+          <a:bodyPr/>
+          <a:lstStyle/>
+          <a:p>
+            <a:r>
+              <a:rPr lang="en-US" dirty="0" smtClean="0"/>
+              <a:t>What was easy?</a:t>
+            </a:r>
+            <a:endParaRPr lang="en-US" dirty="0"/>
+          </a:p>
+        </p:txBody>
+      </p:sp>
+      <p:sp>
+        <p:nvSpPr>
+          <p:cNvPr id="3" name="Content Placeholder 2"/>
+          <p:cNvSpPr>
+            <a:spLocks noGrp="1"/>
+          </p:cNvSpPr>
+          <p:nvPr>
+            <p:ph idx="1"/>
+          </p:nvPr>
+        </p:nvSpPr>
+        <p:spPr/>
+        <p:txBody>
+          <a:bodyPr/>
+          <a:lstStyle/>
+          <a:p>
+            <a:r>
+              <a:rPr lang="en-US" dirty="0" smtClean="0"/>
+              <a:t>Taking the concepts from the Local Library tutorial applying them to our application</a:t>
+            </a:r>
+          </a:p>
+          <a:p>
+            <a:endParaRPr lang="en-US" dirty="0"/>
+          </a:p>
+        </p:txBody>
+      </p:sp>
+    </p:spTree>
+    <p:extLst>
+      <p:ext uri="{BB962C8B-B14F-4D97-AF65-F5344CB8AC3E}">
+        <p14:creationId xmlns:p14="http://schemas.microsoft.com/office/powerpoint/2010/main" val="2652183728"/>
       </p:ext>
     </p:extLst>
   </p:cSld>
